--- a/fig/annotated_stack_plot.pptx
+++ b/fig/annotated_stack_plot.pptx
@@ -104,6 +104,11 @@
       </a:defRPr>
     </a:lvl9pPr>
   </p:defaultTextStyle>
+  <p:extLst>
+    <p:ext uri="{EFAFB233-063F-42B5-8137-9DF3F51BA10A}">
+      <p15:sldGuideLst xmlns:p15="http://schemas.microsoft.com/office/powerpoint/2012/main"/>
+    </p:ext>
+  </p:extLst>
 </p:presentation>
 </file>
 
@@ -254,7 +259,7 @@
           <a:p>
             <a:fld id="{C8B4F2C5-7430-5841-9478-4F3B51CBCDEC}" type="datetimeFigureOut">
               <a:rPr lang="en-US" smtClean="0"/>
-              <a:t>8/25/21</a:t>
+              <a:t>10/18/21</a:t>
             </a:fld>
             <a:endParaRPr lang="en-US"/>
           </a:p>
@@ -452,7 +457,7 @@
           <a:p>
             <a:fld id="{C8B4F2C5-7430-5841-9478-4F3B51CBCDEC}" type="datetimeFigureOut">
               <a:rPr lang="en-US" smtClean="0"/>
-              <a:t>8/25/21</a:t>
+              <a:t>10/18/21</a:t>
             </a:fld>
             <a:endParaRPr lang="en-US"/>
           </a:p>
@@ -660,7 +665,7 @@
           <a:p>
             <a:fld id="{C8B4F2C5-7430-5841-9478-4F3B51CBCDEC}" type="datetimeFigureOut">
               <a:rPr lang="en-US" smtClean="0"/>
-              <a:t>8/25/21</a:t>
+              <a:t>10/18/21</a:t>
             </a:fld>
             <a:endParaRPr lang="en-US"/>
           </a:p>
@@ -858,7 +863,7 @@
           <a:p>
             <a:fld id="{C8B4F2C5-7430-5841-9478-4F3B51CBCDEC}" type="datetimeFigureOut">
               <a:rPr lang="en-US" smtClean="0"/>
-              <a:t>8/25/21</a:t>
+              <a:t>10/18/21</a:t>
             </a:fld>
             <a:endParaRPr lang="en-US"/>
           </a:p>
@@ -1133,7 +1138,7 @@
           <a:p>
             <a:fld id="{C8B4F2C5-7430-5841-9478-4F3B51CBCDEC}" type="datetimeFigureOut">
               <a:rPr lang="en-US" smtClean="0"/>
-              <a:t>8/25/21</a:t>
+              <a:t>10/18/21</a:t>
             </a:fld>
             <a:endParaRPr lang="en-US"/>
           </a:p>
@@ -1398,7 +1403,7 @@
           <a:p>
             <a:fld id="{C8B4F2C5-7430-5841-9478-4F3B51CBCDEC}" type="datetimeFigureOut">
               <a:rPr lang="en-US" smtClean="0"/>
-              <a:t>8/25/21</a:t>
+              <a:t>10/18/21</a:t>
             </a:fld>
             <a:endParaRPr lang="en-US"/>
           </a:p>
@@ -1810,7 +1815,7 @@
           <a:p>
             <a:fld id="{C8B4F2C5-7430-5841-9478-4F3B51CBCDEC}" type="datetimeFigureOut">
               <a:rPr lang="en-US" smtClean="0"/>
-              <a:t>8/25/21</a:t>
+              <a:t>10/18/21</a:t>
             </a:fld>
             <a:endParaRPr lang="en-US"/>
           </a:p>
@@ -1951,7 +1956,7 @@
           <a:p>
             <a:fld id="{C8B4F2C5-7430-5841-9478-4F3B51CBCDEC}" type="datetimeFigureOut">
               <a:rPr lang="en-US" smtClean="0"/>
-              <a:t>8/25/21</a:t>
+              <a:t>10/18/21</a:t>
             </a:fld>
             <a:endParaRPr lang="en-US"/>
           </a:p>
@@ -2064,7 +2069,7 @@
           <a:p>
             <a:fld id="{C8B4F2C5-7430-5841-9478-4F3B51CBCDEC}" type="datetimeFigureOut">
               <a:rPr lang="en-US" smtClean="0"/>
-              <a:t>8/25/21</a:t>
+              <a:t>10/18/21</a:t>
             </a:fld>
             <a:endParaRPr lang="en-US"/>
           </a:p>
@@ -2375,7 +2380,7 @@
           <a:p>
             <a:fld id="{C8B4F2C5-7430-5841-9478-4F3B51CBCDEC}" type="datetimeFigureOut">
               <a:rPr lang="en-US" smtClean="0"/>
-              <a:t>8/25/21</a:t>
+              <a:t>10/18/21</a:t>
             </a:fld>
             <a:endParaRPr lang="en-US"/>
           </a:p>
@@ -2663,7 +2668,7 @@
           <a:p>
             <a:fld id="{C8B4F2C5-7430-5841-9478-4F3B51CBCDEC}" type="datetimeFigureOut">
               <a:rPr lang="en-US" smtClean="0"/>
-              <a:t>8/25/21</a:t>
+              <a:t>10/18/21</a:t>
             </a:fld>
             <a:endParaRPr lang="en-US"/>
           </a:p>
@@ -2904,7 +2909,7 @@
           <a:p>
             <a:fld id="{C8B4F2C5-7430-5841-9478-4F3B51CBCDEC}" type="datetimeFigureOut">
               <a:rPr lang="en-US" smtClean="0"/>
-              <a:t>8/25/21</a:t>
+              <a:t>10/18/21</a:t>
             </a:fld>
             <a:endParaRPr lang="en-US"/>
           </a:p>
@@ -3337,20 +3342,412 @@
         </p:nvPicPr>
         <p:blipFill>
           <a:blip r:embed="rId2"/>
-          <a:stretch>
-            <a:fillRect/>
-          </a:stretch>
+          <a:srcRect/>
+          <a:stretch/>
         </p:blipFill>
         <p:spPr>
           <a:xfrm>
-            <a:off x="1615440" y="228600"/>
-            <a:ext cx="8961120" cy="6400800"/>
+            <a:off x="2362200" y="228600"/>
+            <a:ext cx="7467600" cy="6400800"/>
           </a:xfrm>
           <a:prstGeom prst="rect">
             <a:avLst/>
           </a:prstGeom>
         </p:spPr>
       </p:pic>
+      <p:sp>
+        <p:nvSpPr>
+          <p:cNvPr id="2" name="TextBox 1">
+            <a:extLst>
+              <a:ext uri="{FF2B5EF4-FFF2-40B4-BE49-F238E27FC236}">
+                <a16:creationId xmlns:a16="http://schemas.microsoft.com/office/drawing/2014/main" id="{E6F30420-DF8B-044E-8EF9-770CAFF6F813}"/>
+              </a:ext>
+            </a:extLst>
+          </p:cNvPr>
+          <p:cNvSpPr txBox="1"/>
+          <p:nvPr/>
+        </p:nvSpPr>
+        <p:spPr>
+          <a:xfrm>
+            <a:off x="4303390" y="300040"/>
+            <a:ext cx="1068929" cy="276999"/>
+          </a:xfrm>
+          <a:prstGeom prst="rect">
+            <a:avLst/>
+          </a:prstGeom>
+          <a:solidFill>
+            <a:srgbClr val="FF9933">
+              <a:alpha val="50000"/>
+            </a:srgbClr>
+          </a:solidFill>
+        </p:spPr>
+        <p:txBody>
+          <a:bodyPr wrap="square" rtlCol="0">
+            <a:spAutoFit/>
+          </a:bodyPr>
+          <a:lstStyle/>
+          <a:p>
+            <a:pPr algn="ctr"/>
+            <a:r>
+              <a:rPr lang="en-US" sz="1200" dirty="0">
+                <a:solidFill>
+                  <a:sysClr val="windowText" lastClr="000000"/>
+                </a:solidFill>
+                <a:latin typeface="Lato" panose="020F0502020204030203" pitchFamily="34" charset="77"/>
+              </a:rPr>
+              <a:t>Pre-lock PHI</a:t>
+            </a:r>
+          </a:p>
+        </p:txBody>
+      </p:sp>
+      <p:sp>
+        <p:nvSpPr>
+          <p:cNvPr id="4" name="TextBox 3">
+            <a:extLst>
+              <a:ext uri="{FF2B5EF4-FFF2-40B4-BE49-F238E27FC236}">
+                <a16:creationId xmlns:a16="http://schemas.microsoft.com/office/drawing/2014/main" id="{3EB3FF10-2E23-2240-A084-C31A16CC6329}"/>
+              </a:ext>
+            </a:extLst>
+          </p:cNvPr>
+          <p:cNvSpPr txBox="1"/>
+          <p:nvPr/>
+        </p:nvSpPr>
+        <p:spPr>
+          <a:xfrm>
+            <a:off x="5766074" y="300040"/>
+            <a:ext cx="923924" cy="276999"/>
+          </a:xfrm>
+          <a:prstGeom prst="rect">
+            <a:avLst/>
+          </a:prstGeom>
+          <a:solidFill>
+            <a:srgbClr val="FF9933">
+              <a:alpha val="50000"/>
+            </a:srgbClr>
+          </a:solidFill>
+        </p:spPr>
+        <p:txBody>
+          <a:bodyPr wrap="square" rtlCol="0">
+            <a:spAutoFit/>
+          </a:bodyPr>
+          <a:lstStyle/>
+          <a:p>
+            <a:pPr algn="ctr"/>
+            <a:r>
+              <a:rPr lang="en-US" sz="1200" dirty="0">
+                <a:solidFill>
+                  <a:sysClr val="windowText" lastClr="000000"/>
+                </a:solidFill>
+                <a:latin typeface="Lato" panose="020F0502020204030203" pitchFamily="34" charset="77"/>
+              </a:rPr>
+              <a:t>Lockdown</a:t>
+            </a:r>
+          </a:p>
+        </p:txBody>
+      </p:sp>
+      <p:sp>
+        <p:nvSpPr>
+          <p:cNvPr id="5" name="TextBox 4">
+            <a:extLst>
+              <a:ext uri="{FF2B5EF4-FFF2-40B4-BE49-F238E27FC236}">
+                <a16:creationId xmlns:a16="http://schemas.microsoft.com/office/drawing/2014/main" id="{13CEF23E-D50E-0641-9070-CDB40828248C}"/>
+              </a:ext>
+            </a:extLst>
+          </p:cNvPr>
+          <p:cNvSpPr txBox="1"/>
+          <p:nvPr/>
+        </p:nvSpPr>
+        <p:spPr>
+          <a:xfrm>
+            <a:off x="7647589" y="300040"/>
+            <a:ext cx="682350" cy="276999"/>
+          </a:xfrm>
+          <a:prstGeom prst="rect">
+            <a:avLst/>
+          </a:prstGeom>
+          <a:solidFill>
+            <a:srgbClr val="FF9933">
+              <a:alpha val="50000"/>
+            </a:srgbClr>
+          </a:solidFill>
+        </p:spPr>
+        <p:txBody>
+          <a:bodyPr wrap="square" rtlCol="0">
+            <a:spAutoFit/>
+          </a:bodyPr>
+          <a:lstStyle/>
+          <a:p>
+            <a:pPr algn="ctr"/>
+            <a:r>
+              <a:rPr lang="en-US" sz="1200" dirty="0">
+                <a:solidFill>
+                  <a:sysClr val="windowText" lastClr="000000"/>
+                </a:solidFill>
+                <a:latin typeface="Lato" panose="020F0502020204030203" pitchFamily="34" charset="77"/>
+              </a:rPr>
+              <a:t>Unlock</a:t>
+            </a:r>
+          </a:p>
+        </p:txBody>
+      </p:sp>
+      <p:cxnSp>
+        <p:nvCxnSpPr>
+          <p:cNvPr id="7" name="Straight Arrow Connector 6">
+            <a:extLst>
+              <a:ext uri="{FF2B5EF4-FFF2-40B4-BE49-F238E27FC236}">
+                <a16:creationId xmlns:a16="http://schemas.microsoft.com/office/drawing/2014/main" id="{B4D8DF03-542F-624C-A11D-7DD319FFFA01}"/>
+              </a:ext>
+            </a:extLst>
+          </p:cNvPr>
+          <p:cNvCxnSpPr>
+            <a:cxnSpLocks/>
+            <a:stCxn id="2" idx="2"/>
+          </p:cNvCxnSpPr>
+          <p:nvPr/>
+        </p:nvCxnSpPr>
+        <p:spPr>
+          <a:xfrm>
+            <a:off x="4837855" y="577039"/>
+            <a:ext cx="0" cy="365935"/>
+          </a:xfrm>
+          <a:prstGeom prst="straightConnector1">
+            <a:avLst/>
+          </a:prstGeom>
+          <a:ln w="31750">
+            <a:solidFill>
+              <a:schemeClr val="tx1"/>
+            </a:solidFill>
+            <a:tailEnd type="triangle"/>
+          </a:ln>
+        </p:spPr>
+        <p:style>
+          <a:lnRef idx="1">
+            <a:schemeClr val="accent1"/>
+          </a:lnRef>
+          <a:fillRef idx="0">
+            <a:schemeClr val="accent1"/>
+          </a:fillRef>
+          <a:effectRef idx="0">
+            <a:schemeClr val="accent1"/>
+          </a:effectRef>
+          <a:fontRef idx="minor">
+            <a:schemeClr val="tx1"/>
+          </a:fontRef>
+        </p:style>
+      </p:cxnSp>
+      <p:cxnSp>
+        <p:nvCxnSpPr>
+          <p:cNvPr id="8" name="Straight Arrow Connector 7">
+            <a:extLst>
+              <a:ext uri="{FF2B5EF4-FFF2-40B4-BE49-F238E27FC236}">
+                <a16:creationId xmlns:a16="http://schemas.microsoft.com/office/drawing/2014/main" id="{A7D579BA-FA74-764A-A769-BAF1CFB52813}"/>
+              </a:ext>
+            </a:extLst>
+          </p:cNvPr>
+          <p:cNvCxnSpPr>
+            <a:cxnSpLocks/>
+            <a:stCxn id="4" idx="2"/>
+          </p:cNvCxnSpPr>
+          <p:nvPr/>
+        </p:nvCxnSpPr>
+        <p:spPr>
+          <a:xfrm>
+            <a:off x="6228036" y="577039"/>
+            <a:ext cx="0" cy="365935"/>
+          </a:xfrm>
+          <a:prstGeom prst="straightConnector1">
+            <a:avLst/>
+          </a:prstGeom>
+          <a:ln w="31750">
+            <a:solidFill>
+              <a:schemeClr val="tx1"/>
+            </a:solidFill>
+            <a:tailEnd type="triangle"/>
+          </a:ln>
+        </p:spPr>
+        <p:style>
+          <a:lnRef idx="1">
+            <a:schemeClr val="accent1"/>
+          </a:lnRef>
+          <a:fillRef idx="0">
+            <a:schemeClr val="accent1"/>
+          </a:fillRef>
+          <a:effectRef idx="0">
+            <a:schemeClr val="accent1"/>
+          </a:effectRef>
+          <a:fontRef idx="minor">
+            <a:schemeClr val="tx1"/>
+          </a:fontRef>
+        </p:style>
+      </p:cxnSp>
+      <p:cxnSp>
+        <p:nvCxnSpPr>
+          <p:cNvPr id="9" name="Straight Arrow Connector 8">
+            <a:extLst>
+              <a:ext uri="{FF2B5EF4-FFF2-40B4-BE49-F238E27FC236}">
+                <a16:creationId xmlns:a16="http://schemas.microsoft.com/office/drawing/2014/main" id="{67604E55-9A9B-004F-91EB-8801B9E3265F}"/>
+              </a:ext>
+            </a:extLst>
+          </p:cNvPr>
+          <p:cNvCxnSpPr>
+            <a:cxnSpLocks/>
+            <a:stCxn id="5" idx="2"/>
+          </p:cNvCxnSpPr>
+          <p:nvPr/>
+        </p:nvCxnSpPr>
+        <p:spPr>
+          <a:xfrm>
+            <a:off x="7988764" y="577039"/>
+            <a:ext cx="0" cy="365935"/>
+          </a:xfrm>
+          <a:prstGeom prst="straightConnector1">
+            <a:avLst/>
+          </a:prstGeom>
+          <a:ln w="31750">
+            <a:solidFill>
+              <a:schemeClr val="tx1"/>
+            </a:solidFill>
+            <a:tailEnd type="triangle"/>
+          </a:ln>
+        </p:spPr>
+        <p:style>
+          <a:lnRef idx="1">
+            <a:schemeClr val="accent1"/>
+          </a:lnRef>
+          <a:fillRef idx="0">
+            <a:schemeClr val="accent1"/>
+          </a:fillRef>
+          <a:effectRef idx="0">
+            <a:schemeClr val="accent1"/>
+          </a:effectRef>
+          <a:fontRef idx="minor">
+            <a:schemeClr val="tx1"/>
+          </a:fontRef>
+        </p:style>
+      </p:cxnSp>
+      <p:sp>
+        <p:nvSpPr>
+          <p:cNvPr id="10" name="TextBox 9">
+            <a:extLst>
+              <a:ext uri="{FF2B5EF4-FFF2-40B4-BE49-F238E27FC236}">
+                <a16:creationId xmlns:a16="http://schemas.microsoft.com/office/drawing/2014/main" id="{E0A5A0B9-7AF5-6748-AD40-8F0CCCEAA3E3}"/>
+              </a:ext>
+            </a:extLst>
+          </p:cNvPr>
+          <p:cNvSpPr txBox="1"/>
+          <p:nvPr/>
+        </p:nvSpPr>
+        <p:spPr>
+          <a:xfrm rot="16200000">
+            <a:off x="4137164" y="1109717"/>
+            <a:ext cx="646331" cy="215444"/>
+          </a:xfrm>
+          <a:prstGeom prst="rect">
+            <a:avLst/>
+          </a:prstGeom>
+          <a:noFill/>
+        </p:spPr>
+        <p:txBody>
+          <a:bodyPr wrap="square" rtlCol="0">
+            <a:spAutoFit/>
+          </a:bodyPr>
+          <a:lstStyle/>
+          <a:p>
+            <a:pPr algn="ctr"/>
+            <a:r>
+              <a:rPr lang="en-US" sz="800" b="1" dirty="0">
+                <a:solidFill>
+                  <a:sysClr val="windowText" lastClr="000000"/>
+                </a:solidFill>
+                <a:latin typeface="Lato" panose="020F0502020204030203" pitchFamily="34" charset="77"/>
+              </a:rPr>
+              <a:t>March 28</a:t>
+            </a:r>
+          </a:p>
+        </p:txBody>
+      </p:sp>
+      <p:sp>
+        <p:nvSpPr>
+          <p:cNvPr id="11" name="TextBox 10">
+            <a:extLst>
+              <a:ext uri="{FF2B5EF4-FFF2-40B4-BE49-F238E27FC236}">
+                <a16:creationId xmlns:a16="http://schemas.microsoft.com/office/drawing/2014/main" id="{C33FC033-EBDC-6B47-B319-3BD327F5C198}"/>
+              </a:ext>
+            </a:extLst>
+          </p:cNvPr>
+          <p:cNvSpPr txBox="1"/>
+          <p:nvPr/>
+        </p:nvSpPr>
+        <p:spPr>
+          <a:xfrm rot="16200000">
+            <a:off x="4820630" y="1677910"/>
+            <a:ext cx="584328" cy="215444"/>
+          </a:xfrm>
+          <a:prstGeom prst="rect">
+            <a:avLst/>
+          </a:prstGeom>
+          <a:noFill/>
+        </p:spPr>
+        <p:txBody>
+          <a:bodyPr wrap="square" rtlCol="0">
+            <a:spAutoFit/>
+          </a:bodyPr>
+          <a:lstStyle/>
+          <a:p>
+            <a:pPr algn="ctr"/>
+            <a:r>
+              <a:rPr lang="en-US" sz="800" b="1" dirty="0">
+                <a:solidFill>
+                  <a:sysClr val="windowText" lastClr="000000"/>
+                </a:solidFill>
+                <a:latin typeface="Lato" panose="020F0502020204030203" pitchFamily="34" charset="77"/>
+              </a:rPr>
+              <a:t>April 14</a:t>
+            </a:r>
+          </a:p>
+        </p:txBody>
+      </p:sp>
+      <p:sp>
+        <p:nvSpPr>
+          <p:cNvPr id="12" name="TextBox 11">
+            <a:extLst>
+              <a:ext uri="{FF2B5EF4-FFF2-40B4-BE49-F238E27FC236}">
+                <a16:creationId xmlns:a16="http://schemas.microsoft.com/office/drawing/2014/main" id="{EC9A8D67-2395-E240-96C5-57E12FD97DFC}"/>
+              </a:ext>
+            </a:extLst>
+          </p:cNvPr>
+          <p:cNvSpPr txBox="1"/>
+          <p:nvPr/>
+        </p:nvSpPr>
+        <p:spPr>
+          <a:xfrm rot="16200000">
+            <a:off x="6953819" y="1025216"/>
+            <a:ext cx="477325" cy="215444"/>
+          </a:xfrm>
+          <a:prstGeom prst="rect">
+            <a:avLst/>
+          </a:prstGeom>
+          <a:noFill/>
+        </p:spPr>
+        <p:txBody>
+          <a:bodyPr wrap="square" rtlCol="0">
+            <a:spAutoFit/>
+          </a:bodyPr>
+          <a:lstStyle/>
+          <a:p>
+            <a:pPr algn="ctr"/>
+            <a:r>
+              <a:rPr lang="en-US" sz="800" b="1" dirty="0">
+                <a:solidFill>
+                  <a:sysClr val="windowText" lastClr="000000"/>
+                </a:solidFill>
+                <a:latin typeface="Lato" panose="020F0502020204030203" pitchFamily="34" charset="77"/>
+              </a:rPr>
+              <a:t>June 7</a:t>
+            </a:r>
+          </a:p>
+        </p:txBody>
+      </p:sp>
     </p:spTree>
     <p:extLst>
       <p:ext uri="{BB962C8B-B14F-4D97-AF65-F5344CB8AC3E}">

--- a/fig/annotated_stack_plot.pptx
+++ b/fig/annotated_stack_plot.pptx
@@ -259,7 +259,7 @@
           <a:p>
             <a:fld id="{C8B4F2C5-7430-5841-9478-4F3B51CBCDEC}" type="datetimeFigureOut">
               <a:rPr lang="en-US" smtClean="0"/>
-              <a:t>10/18/21</a:t>
+              <a:t>10/26/21</a:t>
             </a:fld>
             <a:endParaRPr lang="en-US"/>
           </a:p>
@@ -457,7 +457,7 @@
           <a:p>
             <a:fld id="{C8B4F2C5-7430-5841-9478-4F3B51CBCDEC}" type="datetimeFigureOut">
               <a:rPr lang="en-US" smtClean="0"/>
-              <a:t>10/18/21</a:t>
+              <a:t>10/26/21</a:t>
             </a:fld>
             <a:endParaRPr lang="en-US"/>
           </a:p>
@@ -665,7 +665,7 @@
           <a:p>
             <a:fld id="{C8B4F2C5-7430-5841-9478-4F3B51CBCDEC}" type="datetimeFigureOut">
               <a:rPr lang="en-US" smtClean="0"/>
-              <a:t>10/18/21</a:t>
+              <a:t>10/26/21</a:t>
             </a:fld>
             <a:endParaRPr lang="en-US"/>
           </a:p>
@@ -863,7 +863,7 @@
           <a:p>
             <a:fld id="{C8B4F2C5-7430-5841-9478-4F3B51CBCDEC}" type="datetimeFigureOut">
               <a:rPr lang="en-US" smtClean="0"/>
-              <a:t>10/18/21</a:t>
+              <a:t>10/26/21</a:t>
             </a:fld>
             <a:endParaRPr lang="en-US"/>
           </a:p>
@@ -1138,7 +1138,7 @@
           <a:p>
             <a:fld id="{C8B4F2C5-7430-5841-9478-4F3B51CBCDEC}" type="datetimeFigureOut">
               <a:rPr lang="en-US" smtClean="0"/>
-              <a:t>10/18/21</a:t>
+              <a:t>10/26/21</a:t>
             </a:fld>
             <a:endParaRPr lang="en-US"/>
           </a:p>
@@ -1403,7 +1403,7 @@
           <a:p>
             <a:fld id="{C8B4F2C5-7430-5841-9478-4F3B51CBCDEC}" type="datetimeFigureOut">
               <a:rPr lang="en-US" smtClean="0"/>
-              <a:t>10/18/21</a:t>
+              <a:t>10/26/21</a:t>
             </a:fld>
             <a:endParaRPr lang="en-US"/>
           </a:p>
@@ -1815,7 +1815,7 @@
           <a:p>
             <a:fld id="{C8B4F2C5-7430-5841-9478-4F3B51CBCDEC}" type="datetimeFigureOut">
               <a:rPr lang="en-US" smtClean="0"/>
-              <a:t>10/18/21</a:t>
+              <a:t>10/26/21</a:t>
             </a:fld>
             <a:endParaRPr lang="en-US"/>
           </a:p>
@@ -1956,7 +1956,7 @@
           <a:p>
             <a:fld id="{C8B4F2C5-7430-5841-9478-4F3B51CBCDEC}" type="datetimeFigureOut">
               <a:rPr lang="en-US" smtClean="0"/>
-              <a:t>10/18/21</a:t>
+              <a:t>10/26/21</a:t>
             </a:fld>
             <a:endParaRPr lang="en-US"/>
           </a:p>
@@ -2069,7 +2069,7 @@
           <a:p>
             <a:fld id="{C8B4F2C5-7430-5841-9478-4F3B51CBCDEC}" type="datetimeFigureOut">
               <a:rPr lang="en-US" smtClean="0"/>
-              <a:t>10/18/21</a:t>
+              <a:t>10/26/21</a:t>
             </a:fld>
             <a:endParaRPr lang="en-US"/>
           </a:p>
@@ -2380,7 +2380,7 @@
           <a:p>
             <a:fld id="{C8B4F2C5-7430-5841-9478-4F3B51CBCDEC}" type="datetimeFigureOut">
               <a:rPr lang="en-US" smtClean="0"/>
-              <a:t>10/18/21</a:t>
+              <a:t>10/26/21</a:t>
             </a:fld>
             <a:endParaRPr lang="en-US"/>
           </a:p>
@@ -2668,7 +2668,7 @@
           <a:p>
             <a:fld id="{C8B4F2C5-7430-5841-9478-4F3B51CBCDEC}" type="datetimeFigureOut">
               <a:rPr lang="en-US" smtClean="0"/>
-              <a:t>10/18/21</a:t>
+              <a:t>10/26/21</a:t>
             </a:fld>
             <a:endParaRPr lang="en-US"/>
           </a:p>
@@ -2909,7 +2909,7 @@
           <a:p>
             <a:fld id="{C8B4F2C5-7430-5841-9478-4F3B51CBCDEC}" type="datetimeFigureOut">
               <a:rPr lang="en-US" smtClean="0"/>
-              <a:t>10/18/21</a:t>
+              <a:t>10/26/21</a:t>
             </a:fld>
             <a:endParaRPr lang="en-US"/>
           </a:p>
@@ -3748,6 +3748,252 @@
           </a:p>
         </p:txBody>
       </p:sp>
+      <p:sp>
+        <p:nvSpPr>
+          <p:cNvPr id="13" name="TextBox 12">
+            <a:extLst>
+              <a:ext uri="{FF2B5EF4-FFF2-40B4-BE49-F238E27FC236}">
+                <a16:creationId xmlns:a16="http://schemas.microsoft.com/office/drawing/2014/main" id="{0D66891D-AE34-AE41-81D3-6A8C6AA4436D}"/>
+              </a:ext>
+            </a:extLst>
+          </p:cNvPr>
+          <p:cNvSpPr txBox="1"/>
+          <p:nvPr/>
+        </p:nvSpPr>
+        <p:spPr>
+          <a:xfrm rot="16200000">
+            <a:off x="4137164" y="3708685"/>
+            <a:ext cx="646331" cy="215444"/>
+          </a:xfrm>
+          <a:prstGeom prst="rect">
+            <a:avLst/>
+          </a:prstGeom>
+          <a:noFill/>
+        </p:spPr>
+        <p:txBody>
+          <a:bodyPr wrap="square" rtlCol="0">
+            <a:spAutoFit/>
+          </a:bodyPr>
+          <a:lstStyle/>
+          <a:p>
+            <a:pPr algn="ctr"/>
+            <a:r>
+              <a:rPr lang="en-US" sz="800" b="1" dirty="0">
+                <a:solidFill>
+                  <a:sysClr val="windowText" lastClr="000000"/>
+                </a:solidFill>
+                <a:latin typeface="Lato" panose="020F0502020204030203" pitchFamily="34" charset="77"/>
+              </a:rPr>
+              <a:t>March 28</a:t>
+            </a:r>
+          </a:p>
+        </p:txBody>
+      </p:sp>
+      <p:sp>
+        <p:nvSpPr>
+          <p:cNvPr id="14" name="TextBox 13">
+            <a:extLst>
+              <a:ext uri="{FF2B5EF4-FFF2-40B4-BE49-F238E27FC236}">
+                <a16:creationId xmlns:a16="http://schemas.microsoft.com/office/drawing/2014/main" id="{DB0016A2-B14F-FF48-9684-BC972A2DA2BF}"/>
+              </a:ext>
+            </a:extLst>
+          </p:cNvPr>
+          <p:cNvSpPr txBox="1"/>
+          <p:nvPr/>
+        </p:nvSpPr>
+        <p:spPr>
+          <a:xfrm rot="16200000">
+            <a:off x="4820630" y="3029114"/>
+            <a:ext cx="584328" cy="215444"/>
+          </a:xfrm>
+          <a:prstGeom prst="rect">
+            <a:avLst/>
+          </a:prstGeom>
+          <a:noFill/>
+        </p:spPr>
+        <p:txBody>
+          <a:bodyPr wrap="square" rtlCol="0">
+            <a:spAutoFit/>
+          </a:bodyPr>
+          <a:lstStyle/>
+          <a:p>
+            <a:pPr algn="ctr"/>
+            <a:r>
+              <a:rPr lang="en-US" sz="800" b="1" dirty="0">
+                <a:solidFill>
+                  <a:sysClr val="windowText" lastClr="000000"/>
+                </a:solidFill>
+                <a:latin typeface="Lato" panose="020F0502020204030203" pitchFamily="34" charset="77"/>
+              </a:rPr>
+              <a:t>April 14</a:t>
+            </a:r>
+          </a:p>
+        </p:txBody>
+      </p:sp>
+      <p:sp>
+        <p:nvSpPr>
+          <p:cNvPr id="15" name="TextBox 14">
+            <a:extLst>
+              <a:ext uri="{FF2B5EF4-FFF2-40B4-BE49-F238E27FC236}">
+                <a16:creationId xmlns:a16="http://schemas.microsoft.com/office/drawing/2014/main" id="{DBBE10B1-3E22-D940-9E13-E970235B01CF}"/>
+              </a:ext>
+            </a:extLst>
+          </p:cNvPr>
+          <p:cNvSpPr txBox="1"/>
+          <p:nvPr/>
+        </p:nvSpPr>
+        <p:spPr>
+          <a:xfrm rot="16200000">
+            <a:off x="6953819" y="3029113"/>
+            <a:ext cx="477325" cy="215444"/>
+          </a:xfrm>
+          <a:prstGeom prst="rect">
+            <a:avLst/>
+          </a:prstGeom>
+          <a:noFill/>
+        </p:spPr>
+        <p:txBody>
+          <a:bodyPr wrap="square" rtlCol="0">
+            <a:spAutoFit/>
+          </a:bodyPr>
+          <a:lstStyle/>
+          <a:p>
+            <a:pPr algn="ctr"/>
+            <a:r>
+              <a:rPr lang="en-US" sz="800" b="1" dirty="0">
+                <a:solidFill>
+                  <a:sysClr val="windowText" lastClr="000000"/>
+                </a:solidFill>
+                <a:latin typeface="Lato" panose="020F0502020204030203" pitchFamily="34" charset="77"/>
+              </a:rPr>
+              <a:t>June 7</a:t>
+            </a:r>
+          </a:p>
+        </p:txBody>
+      </p:sp>
+      <p:sp>
+        <p:nvSpPr>
+          <p:cNvPr id="16" name="TextBox 15">
+            <a:extLst>
+              <a:ext uri="{FF2B5EF4-FFF2-40B4-BE49-F238E27FC236}">
+                <a16:creationId xmlns:a16="http://schemas.microsoft.com/office/drawing/2014/main" id="{E657F343-91F3-444E-B494-DB982A5EBF30}"/>
+              </a:ext>
+            </a:extLst>
+          </p:cNvPr>
+          <p:cNvSpPr txBox="1"/>
+          <p:nvPr/>
+        </p:nvSpPr>
+        <p:spPr>
+          <a:xfrm rot="16200000">
+            <a:off x="4137165" y="5114608"/>
+            <a:ext cx="646331" cy="215444"/>
+          </a:xfrm>
+          <a:prstGeom prst="rect">
+            <a:avLst/>
+          </a:prstGeom>
+          <a:noFill/>
+        </p:spPr>
+        <p:txBody>
+          <a:bodyPr wrap="square" rtlCol="0">
+            <a:spAutoFit/>
+          </a:bodyPr>
+          <a:lstStyle/>
+          <a:p>
+            <a:pPr algn="ctr"/>
+            <a:r>
+              <a:rPr lang="en-US" sz="800" b="1" dirty="0">
+                <a:solidFill>
+                  <a:sysClr val="windowText" lastClr="000000"/>
+                </a:solidFill>
+                <a:latin typeface="Lato" panose="020F0502020204030203" pitchFamily="34" charset="77"/>
+              </a:rPr>
+              <a:t>March 28</a:t>
+            </a:r>
+          </a:p>
+        </p:txBody>
+      </p:sp>
+      <p:sp>
+        <p:nvSpPr>
+          <p:cNvPr id="17" name="TextBox 16">
+            <a:extLst>
+              <a:ext uri="{FF2B5EF4-FFF2-40B4-BE49-F238E27FC236}">
+                <a16:creationId xmlns:a16="http://schemas.microsoft.com/office/drawing/2014/main" id="{9C11C9E8-7585-6C4A-A406-6CE1D5E2CC34}"/>
+              </a:ext>
+            </a:extLst>
+          </p:cNvPr>
+          <p:cNvSpPr txBox="1"/>
+          <p:nvPr/>
+        </p:nvSpPr>
+        <p:spPr>
+          <a:xfrm rot="16200000">
+            <a:off x="4820631" y="5030107"/>
+            <a:ext cx="584328" cy="215444"/>
+          </a:xfrm>
+          <a:prstGeom prst="rect">
+            <a:avLst/>
+          </a:prstGeom>
+          <a:noFill/>
+        </p:spPr>
+        <p:txBody>
+          <a:bodyPr wrap="square" rtlCol="0">
+            <a:spAutoFit/>
+          </a:bodyPr>
+          <a:lstStyle/>
+          <a:p>
+            <a:pPr algn="ctr"/>
+            <a:r>
+              <a:rPr lang="en-US" sz="800" b="1" dirty="0">
+                <a:solidFill>
+                  <a:sysClr val="windowText" lastClr="000000"/>
+                </a:solidFill>
+                <a:latin typeface="Lato" panose="020F0502020204030203" pitchFamily="34" charset="77"/>
+              </a:rPr>
+              <a:t>April 14</a:t>
+            </a:r>
+          </a:p>
+        </p:txBody>
+      </p:sp>
+      <p:sp>
+        <p:nvSpPr>
+          <p:cNvPr id="18" name="TextBox 17">
+            <a:extLst>
+              <a:ext uri="{FF2B5EF4-FFF2-40B4-BE49-F238E27FC236}">
+                <a16:creationId xmlns:a16="http://schemas.microsoft.com/office/drawing/2014/main" id="{289EED0C-0196-C04F-8491-96B45EB0309B}"/>
+              </a:ext>
+            </a:extLst>
+          </p:cNvPr>
+          <p:cNvSpPr txBox="1"/>
+          <p:nvPr/>
+        </p:nvSpPr>
+        <p:spPr>
+          <a:xfrm rot="16200000">
+            <a:off x="6953820" y="5030106"/>
+            <a:ext cx="477325" cy="215444"/>
+          </a:xfrm>
+          <a:prstGeom prst="rect">
+            <a:avLst/>
+          </a:prstGeom>
+          <a:noFill/>
+        </p:spPr>
+        <p:txBody>
+          <a:bodyPr wrap="square" rtlCol="0">
+            <a:spAutoFit/>
+          </a:bodyPr>
+          <a:lstStyle/>
+          <a:p>
+            <a:pPr algn="ctr"/>
+            <a:r>
+              <a:rPr lang="en-US" sz="800" b="1" dirty="0">
+                <a:solidFill>
+                  <a:sysClr val="windowText" lastClr="000000"/>
+                </a:solidFill>
+                <a:latin typeface="Lato" panose="020F0502020204030203" pitchFamily="34" charset="77"/>
+              </a:rPr>
+              <a:t>June 7</a:t>
+            </a:r>
+          </a:p>
+        </p:txBody>
+      </p:sp>
     </p:spTree>
     <p:extLst>
       <p:ext uri="{BB962C8B-B14F-4D97-AF65-F5344CB8AC3E}">

--- a/fig/annotated_stack_plot.pptx
+++ b/fig/annotated_stack_plot.pptx
@@ -259,7 +259,7 @@
           <a:p>
             <a:fld id="{C8B4F2C5-7430-5841-9478-4F3B51CBCDEC}" type="datetimeFigureOut">
               <a:rPr lang="en-US" smtClean="0"/>
-              <a:t>10/26/21</a:t>
+              <a:t>11/16/21</a:t>
             </a:fld>
             <a:endParaRPr lang="en-US"/>
           </a:p>
@@ -457,7 +457,7 @@
           <a:p>
             <a:fld id="{C8B4F2C5-7430-5841-9478-4F3B51CBCDEC}" type="datetimeFigureOut">
               <a:rPr lang="en-US" smtClean="0"/>
-              <a:t>10/26/21</a:t>
+              <a:t>11/16/21</a:t>
             </a:fld>
             <a:endParaRPr lang="en-US"/>
           </a:p>
@@ -665,7 +665,7 @@
           <a:p>
             <a:fld id="{C8B4F2C5-7430-5841-9478-4F3B51CBCDEC}" type="datetimeFigureOut">
               <a:rPr lang="en-US" smtClean="0"/>
-              <a:t>10/26/21</a:t>
+              <a:t>11/16/21</a:t>
             </a:fld>
             <a:endParaRPr lang="en-US"/>
           </a:p>
@@ -863,7 +863,7 @@
           <a:p>
             <a:fld id="{C8B4F2C5-7430-5841-9478-4F3B51CBCDEC}" type="datetimeFigureOut">
               <a:rPr lang="en-US" smtClean="0"/>
-              <a:t>10/26/21</a:t>
+              <a:t>11/16/21</a:t>
             </a:fld>
             <a:endParaRPr lang="en-US"/>
           </a:p>
@@ -1138,7 +1138,7 @@
           <a:p>
             <a:fld id="{C8B4F2C5-7430-5841-9478-4F3B51CBCDEC}" type="datetimeFigureOut">
               <a:rPr lang="en-US" smtClean="0"/>
-              <a:t>10/26/21</a:t>
+              <a:t>11/16/21</a:t>
             </a:fld>
             <a:endParaRPr lang="en-US"/>
           </a:p>
@@ -1403,7 +1403,7 @@
           <a:p>
             <a:fld id="{C8B4F2C5-7430-5841-9478-4F3B51CBCDEC}" type="datetimeFigureOut">
               <a:rPr lang="en-US" smtClean="0"/>
-              <a:t>10/26/21</a:t>
+              <a:t>11/16/21</a:t>
             </a:fld>
             <a:endParaRPr lang="en-US"/>
           </a:p>
@@ -1815,7 +1815,7 @@
           <a:p>
             <a:fld id="{C8B4F2C5-7430-5841-9478-4F3B51CBCDEC}" type="datetimeFigureOut">
               <a:rPr lang="en-US" smtClean="0"/>
-              <a:t>10/26/21</a:t>
+              <a:t>11/16/21</a:t>
             </a:fld>
             <a:endParaRPr lang="en-US"/>
           </a:p>
@@ -1956,7 +1956,7 @@
           <a:p>
             <a:fld id="{C8B4F2C5-7430-5841-9478-4F3B51CBCDEC}" type="datetimeFigureOut">
               <a:rPr lang="en-US" smtClean="0"/>
-              <a:t>10/26/21</a:t>
+              <a:t>11/16/21</a:t>
             </a:fld>
             <a:endParaRPr lang="en-US"/>
           </a:p>
@@ -2069,7 +2069,7 @@
           <a:p>
             <a:fld id="{C8B4F2C5-7430-5841-9478-4F3B51CBCDEC}" type="datetimeFigureOut">
               <a:rPr lang="en-US" smtClean="0"/>
-              <a:t>10/26/21</a:t>
+              <a:t>11/16/21</a:t>
             </a:fld>
             <a:endParaRPr lang="en-US"/>
           </a:p>
@@ -2380,7 +2380,7 @@
           <a:p>
             <a:fld id="{C8B4F2C5-7430-5841-9478-4F3B51CBCDEC}" type="datetimeFigureOut">
               <a:rPr lang="en-US" smtClean="0"/>
-              <a:t>10/26/21</a:t>
+              <a:t>11/16/21</a:t>
             </a:fld>
             <a:endParaRPr lang="en-US"/>
           </a:p>
@@ -2668,7 +2668,7 @@
           <a:p>
             <a:fld id="{C8B4F2C5-7430-5841-9478-4F3B51CBCDEC}" type="datetimeFigureOut">
               <a:rPr lang="en-US" smtClean="0"/>
-              <a:t>10/26/21</a:t>
+              <a:t>11/16/21</a:t>
             </a:fld>
             <a:endParaRPr lang="en-US"/>
           </a:p>
@@ -2909,7 +2909,7 @@
           <a:p>
             <a:fld id="{C8B4F2C5-7430-5841-9478-4F3B51CBCDEC}" type="datetimeFigureOut">
               <a:rPr lang="en-US" smtClean="0"/>
-              <a:t>10/26/21</a:t>
+              <a:t>11/16/21</a:t>
             </a:fld>
             <a:endParaRPr lang="en-US"/>
           </a:p>
@@ -3369,7 +3369,7 @@
         </p:nvSpPr>
         <p:spPr>
           <a:xfrm>
-            <a:off x="4303390" y="300040"/>
+            <a:off x="4408490" y="300040"/>
             <a:ext cx="1068929" cy="276999"/>
           </a:xfrm>
           <a:prstGeom prst="rect">
@@ -3393,7 +3393,9 @@
                 <a:solidFill>
                   <a:sysClr val="windowText" lastClr="000000"/>
                 </a:solidFill>
-                <a:latin typeface="Lato" panose="020F0502020204030203" pitchFamily="34" charset="77"/>
+                <a:latin typeface="Helvetica Neue" panose="02000503000000020004" pitchFamily="2" charset="0"/>
+                <a:ea typeface="Helvetica Neue" panose="02000503000000020004" pitchFamily="2" charset="0"/>
+                <a:cs typeface="Helvetica Neue" panose="02000503000000020004" pitchFamily="2" charset="0"/>
               </a:rPr>
               <a:t>Pre-lock PHI</a:t>
             </a:r>
@@ -3438,7 +3440,9 @@
                 <a:solidFill>
                   <a:sysClr val="windowText" lastClr="000000"/>
                 </a:solidFill>
-                <a:latin typeface="Lato" panose="020F0502020204030203" pitchFamily="34" charset="77"/>
+                <a:latin typeface="Helvetica Neue" panose="02000503000000020004" pitchFamily="2" charset="0"/>
+                <a:ea typeface="Helvetica Neue" panose="02000503000000020004" pitchFamily="2" charset="0"/>
+                <a:cs typeface="Helvetica Neue" panose="02000503000000020004" pitchFamily="2" charset="0"/>
               </a:rPr>
               <a:t>Lockdown</a:t>
             </a:r>
@@ -3483,7 +3487,9 @@
                 <a:solidFill>
                   <a:sysClr val="windowText" lastClr="000000"/>
                 </a:solidFill>
-                <a:latin typeface="Lato" panose="020F0502020204030203" pitchFamily="34" charset="77"/>
+                <a:latin typeface="Helvetica Neue" panose="02000503000000020004" pitchFamily="2" charset="0"/>
+                <a:ea typeface="Helvetica Neue" panose="02000503000000020004" pitchFamily="2" charset="0"/>
+                <a:cs typeface="Helvetica Neue" panose="02000503000000020004" pitchFamily="2" charset="0"/>
               </a:rPr>
               <a:t>Unlock</a:t>
             </a:r>
@@ -3507,7 +3513,7 @@
         </p:nvCxnSpPr>
         <p:spPr>
           <a:xfrm>
-            <a:off x="4837855" y="577039"/>
+            <a:off x="4942955" y="577039"/>
             <a:ext cx="0" cy="365935"/>
           </a:xfrm>
           <a:prstGeom prst="straightConnector1">
@@ -3659,7 +3665,9 @@
                 <a:solidFill>
                   <a:sysClr val="windowText" lastClr="000000"/>
                 </a:solidFill>
-                <a:latin typeface="Lato" panose="020F0502020204030203" pitchFamily="34" charset="77"/>
+                <a:latin typeface="Helvetica Neue" panose="02000503000000020004" pitchFamily="2" charset="0"/>
+                <a:ea typeface="Helvetica Neue" panose="02000503000000020004" pitchFamily="2" charset="0"/>
+                <a:cs typeface="Helvetica Neue" panose="02000503000000020004" pitchFamily="2" charset="0"/>
               </a:rPr>
               <a:t>March 28</a:t>
             </a:r>
@@ -3700,7 +3708,9 @@
                 <a:solidFill>
                   <a:sysClr val="windowText" lastClr="000000"/>
                 </a:solidFill>
-                <a:latin typeface="Lato" panose="020F0502020204030203" pitchFamily="34" charset="77"/>
+                <a:latin typeface="Helvetica Neue" panose="02000503000000020004" pitchFamily="2" charset="0"/>
+                <a:ea typeface="Helvetica Neue" panose="02000503000000020004" pitchFamily="2" charset="0"/>
+                <a:cs typeface="Helvetica Neue" panose="02000503000000020004" pitchFamily="2" charset="0"/>
               </a:rPr>
               <a:t>April 14</a:t>
             </a:r>
@@ -3721,8 +3731,8 @@
         </p:nvSpPr>
         <p:spPr>
           <a:xfrm rot="16200000">
-            <a:off x="6953819" y="1025216"/>
-            <a:ext cx="477325" cy="215444"/>
+            <a:off x="6892886" y="1086149"/>
+            <a:ext cx="599192" cy="215444"/>
           </a:xfrm>
           <a:prstGeom prst="rect">
             <a:avLst/>
@@ -3741,7 +3751,9 @@
                 <a:solidFill>
                   <a:sysClr val="windowText" lastClr="000000"/>
                 </a:solidFill>
-                <a:latin typeface="Lato" panose="020F0502020204030203" pitchFamily="34" charset="77"/>
+                <a:latin typeface="Helvetica Neue" panose="02000503000000020004" pitchFamily="2" charset="0"/>
+                <a:ea typeface="Helvetica Neue" panose="02000503000000020004" pitchFamily="2" charset="0"/>
+                <a:cs typeface="Helvetica Neue" panose="02000503000000020004" pitchFamily="2" charset="0"/>
               </a:rPr>
               <a:t>June 7</a:t>
             </a:r>
@@ -3782,7 +3794,9 @@
                 <a:solidFill>
                   <a:sysClr val="windowText" lastClr="000000"/>
                 </a:solidFill>
-                <a:latin typeface="Lato" panose="020F0502020204030203" pitchFamily="34" charset="77"/>
+                <a:latin typeface="Helvetica Neue" panose="02000503000000020004" pitchFamily="2" charset="0"/>
+                <a:ea typeface="Helvetica Neue" panose="02000503000000020004" pitchFamily="2" charset="0"/>
+                <a:cs typeface="Helvetica Neue" panose="02000503000000020004" pitchFamily="2" charset="0"/>
               </a:rPr>
               <a:t>March 28</a:t>
             </a:r>
@@ -3823,7 +3837,9 @@
                 <a:solidFill>
                   <a:sysClr val="windowText" lastClr="000000"/>
                 </a:solidFill>
-                <a:latin typeface="Lato" panose="020F0502020204030203" pitchFamily="34" charset="77"/>
+                <a:latin typeface="Helvetica Neue" panose="02000503000000020004" pitchFamily="2" charset="0"/>
+                <a:ea typeface="Helvetica Neue" panose="02000503000000020004" pitchFamily="2" charset="0"/>
+                <a:cs typeface="Helvetica Neue" panose="02000503000000020004" pitchFamily="2" charset="0"/>
               </a:rPr>
               <a:t>April 14</a:t>
             </a:r>
@@ -3844,8 +3860,8 @@
         </p:nvSpPr>
         <p:spPr>
           <a:xfrm rot="16200000">
-            <a:off x="6953819" y="3029113"/>
-            <a:ext cx="477325" cy="215444"/>
+            <a:off x="6892886" y="3090046"/>
+            <a:ext cx="599192" cy="215444"/>
           </a:xfrm>
           <a:prstGeom prst="rect">
             <a:avLst/>
@@ -3864,7 +3880,9 @@
                 <a:solidFill>
                   <a:sysClr val="windowText" lastClr="000000"/>
                 </a:solidFill>
-                <a:latin typeface="Lato" panose="020F0502020204030203" pitchFamily="34" charset="77"/>
+                <a:latin typeface="Helvetica Neue" panose="02000503000000020004" pitchFamily="2" charset="0"/>
+                <a:ea typeface="Helvetica Neue" panose="02000503000000020004" pitchFamily="2" charset="0"/>
+                <a:cs typeface="Helvetica Neue" panose="02000503000000020004" pitchFamily="2" charset="0"/>
               </a:rPr>
               <a:t>June 7</a:t>
             </a:r>
@@ -3905,7 +3923,9 @@
                 <a:solidFill>
                   <a:sysClr val="windowText" lastClr="000000"/>
                 </a:solidFill>
-                <a:latin typeface="Lato" panose="020F0502020204030203" pitchFamily="34" charset="77"/>
+                <a:latin typeface="Helvetica Neue" panose="02000503000000020004" pitchFamily="2" charset="0"/>
+                <a:ea typeface="Helvetica Neue" panose="02000503000000020004" pitchFamily="2" charset="0"/>
+                <a:cs typeface="Helvetica Neue" panose="02000503000000020004" pitchFamily="2" charset="0"/>
               </a:rPr>
               <a:t>March 28</a:t>
             </a:r>
@@ -3946,7 +3966,9 @@
                 <a:solidFill>
                   <a:sysClr val="windowText" lastClr="000000"/>
                 </a:solidFill>
-                <a:latin typeface="Lato" panose="020F0502020204030203" pitchFamily="34" charset="77"/>
+                <a:latin typeface="Helvetica Neue" panose="02000503000000020004" pitchFamily="2" charset="0"/>
+                <a:ea typeface="Helvetica Neue" panose="02000503000000020004" pitchFamily="2" charset="0"/>
+                <a:cs typeface="Helvetica Neue" panose="02000503000000020004" pitchFamily="2" charset="0"/>
               </a:rPr>
               <a:t>April 14</a:t>
             </a:r>
@@ -3967,8 +3989,8 @@
         </p:nvSpPr>
         <p:spPr>
           <a:xfrm rot="16200000">
-            <a:off x="6953820" y="5030106"/>
-            <a:ext cx="477325" cy="215444"/>
+            <a:off x="6892887" y="5091039"/>
+            <a:ext cx="599192" cy="215444"/>
           </a:xfrm>
           <a:prstGeom prst="rect">
             <a:avLst/>
@@ -3987,7 +4009,9 @@
                 <a:solidFill>
                   <a:sysClr val="windowText" lastClr="000000"/>
                 </a:solidFill>
-                <a:latin typeface="Lato" panose="020F0502020204030203" pitchFamily="34" charset="77"/>
+                <a:latin typeface="Helvetica Neue" panose="02000503000000020004" pitchFamily="2" charset="0"/>
+                <a:ea typeface="Helvetica Neue" panose="02000503000000020004" pitchFamily="2" charset="0"/>
+                <a:cs typeface="Helvetica Neue" panose="02000503000000020004" pitchFamily="2" charset="0"/>
               </a:rPr>
               <a:t>June 7</a:t>
             </a:r>
